--- a/slides/04_Functions.pptx
+++ b/slides/04_Functions.pptx
@@ -3385,6 +3385,12 @@
           </a:p>
           <a:p>
             <a:r>
+              <a:rPr lang="en-US" dirty="0"/>
+              <a:t>Functional programming </a:t>
+            </a:r>
+          </a:p>
+          <a:p>
+            <a:r>
               <a:rPr lang="en-US" i="1" dirty="0"/>
               <a:t>NOTE: Optional assignment on GitHub</a:t>
             </a:r>
@@ -3640,56 +3646,176 @@
           <a:chExt cx="0" cy="0"/>
         </a:xfrm>
       </p:grpSpPr>
-      <p:sp>
-        <p:nvSpPr>
-          <p:cNvPr id="2" name="Title 1">
-            <a:extLst>
-              <a:ext uri="{FF2B5EF4-FFF2-40B4-BE49-F238E27FC236}">
-                <a16:creationId xmlns:a16="http://schemas.microsoft.com/office/drawing/2014/main" id="{D90137B5-C127-AF9A-CC7A-FC544F209447}"/>
-              </a:ext>
-            </a:extLst>
-          </p:cNvPr>
-          <p:cNvSpPr>
-            <a:spLocks noGrp="1"/>
-          </p:cNvSpPr>
-          <p:nvPr>
-            <p:ph type="title"/>
-          </p:nvPr>
-        </p:nvSpPr>
-        <p:spPr/>
-        <p:txBody>
-          <a:bodyPr/>
-          <a:lstStyle/>
-          <a:p>
-            <a:endParaRPr lang="en-US"/>
-          </a:p>
-        </p:txBody>
-      </p:sp>
-      <p:sp>
-        <p:nvSpPr>
-          <p:cNvPr id="3" name="Content Placeholder 2">
-            <a:extLst>
-              <a:ext uri="{FF2B5EF4-FFF2-40B4-BE49-F238E27FC236}">
-                <a16:creationId xmlns:a16="http://schemas.microsoft.com/office/drawing/2014/main" id="{D645EC0C-80F0-0954-9127-AE6D0291294F}"/>
-              </a:ext>
-            </a:extLst>
-          </p:cNvPr>
-          <p:cNvSpPr>
-            <a:spLocks noGrp="1"/>
-          </p:cNvSpPr>
+      <p:pic>
+        <p:nvPicPr>
+          <p:cNvPr id="5" name="Content Placeholder 4">
+            <a:extLst>
+              <a:ext uri="{FF2B5EF4-FFF2-40B4-BE49-F238E27FC236}">
+                <a16:creationId xmlns:a16="http://schemas.microsoft.com/office/drawing/2014/main" id="{FCBA8587-8514-0767-82F3-35C3F0792C49}"/>
+              </a:ext>
+            </a:extLst>
+          </p:cNvPr>
+          <p:cNvPicPr>
+            <a:picLocks noGrp="1" noChangeAspect="1"/>
+          </p:cNvPicPr>
           <p:nvPr>
             <p:ph idx="1"/>
           </p:nvPr>
-        </p:nvSpPr>
-        <p:spPr/>
-        <p:txBody>
-          <a:bodyPr/>
-          <a:lstStyle/>
-          <a:p>
-            <a:endParaRPr lang="en-US"/>
-          </a:p>
-        </p:txBody>
-      </p:sp>
+        </p:nvPicPr>
+        <p:blipFill>
+          <a:blip r:embed="rId2"/>
+          <a:stretch>
+            <a:fillRect/>
+          </a:stretch>
+        </p:blipFill>
+        <p:spPr>
+          <a:xfrm>
+            <a:off x="249382" y="203994"/>
+            <a:ext cx="7480300" cy="1803400"/>
+          </a:xfrm>
+        </p:spPr>
+      </p:pic>
+      <p:pic>
+        <p:nvPicPr>
+          <p:cNvPr id="3074" name="Picture 2">
+            <a:extLst>
+              <a:ext uri="{FF2B5EF4-FFF2-40B4-BE49-F238E27FC236}">
+                <a16:creationId xmlns:a16="http://schemas.microsoft.com/office/drawing/2014/main" id="{085790F7-9E3F-F685-8921-DC67AC7FC035}"/>
+              </a:ext>
+            </a:extLst>
+          </p:cNvPr>
+          <p:cNvPicPr>
+            <a:picLocks noChangeAspect="1" noChangeArrowheads="1"/>
+          </p:cNvPicPr>
+          <p:nvPr/>
+        </p:nvPicPr>
+        <p:blipFill>
+          <a:blip r:embed="rId3">
+            <a:extLst>
+              <a:ext uri="{28A0092B-C50C-407E-A947-70E740481C1C}">
+                <a14:useLocalDpi xmlns:a14="http://schemas.microsoft.com/office/drawing/2010/main" val="0"/>
+              </a:ext>
+            </a:extLst>
+          </a:blip>
+          <a:srcRect/>
+          <a:stretch>
+            <a:fillRect/>
+          </a:stretch>
+        </p:blipFill>
+        <p:spPr bwMode="auto">
+          <a:xfrm>
+            <a:off x="144114" y="1972863"/>
+            <a:ext cx="7534157" cy="1201737"/>
+          </a:xfrm>
+          <a:prstGeom prst="rect">
+            <a:avLst/>
+          </a:prstGeom>
+          <a:noFill/>
+          <a:extLst>
+            <a:ext uri="{909E8E84-426E-40DD-AFC4-6F175D3DCCD1}">
+              <a14:hiddenFill xmlns:a14="http://schemas.microsoft.com/office/drawing/2010/main">
+                <a:solidFill>
+                  <a:srgbClr val="FFFFFF"/>
+                </a:solidFill>
+              </a14:hiddenFill>
+            </a:ext>
+          </a:extLst>
+        </p:spPr>
+      </p:pic>
+      <p:pic>
+        <p:nvPicPr>
+          <p:cNvPr id="3076" name="Picture 4">
+            <a:extLst>
+              <a:ext uri="{FF2B5EF4-FFF2-40B4-BE49-F238E27FC236}">
+                <a16:creationId xmlns:a16="http://schemas.microsoft.com/office/drawing/2014/main" id="{149D6151-AD67-DDB0-7EBC-4D7D9F58BA78}"/>
+              </a:ext>
+            </a:extLst>
+          </p:cNvPr>
+          <p:cNvPicPr>
+            <a:picLocks noChangeAspect="1" noChangeArrowheads="1"/>
+          </p:cNvPicPr>
+          <p:nvPr/>
+        </p:nvPicPr>
+        <p:blipFill>
+          <a:blip r:embed="rId4">
+            <a:extLst>
+              <a:ext uri="{28A0092B-C50C-407E-A947-70E740481C1C}">
+                <a14:useLocalDpi xmlns:a14="http://schemas.microsoft.com/office/drawing/2010/main" val="0"/>
+              </a:ext>
+            </a:extLst>
+          </a:blip>
+          <a:srcRect/>
+          <a:stretch>
+            <a:fillRect/>
+          </a:stretch>
+        </p:blipFill>
+        <p:spPr bwMode="auto">
+          <a:xfrm>
+            <a:off x="288228" y="3454104"/>
+            <a:ext cx="7245927" cy="1925643"/>
+          </a:xfrm>
+          <a:prstGeom prst="rect">
+            <a:avLst/>
+          </a:prstGeom>
+          <a:noFill/>
+          <a:extLst>
+            <a:ext uri="{909E8E84-426E-40DD-AFC4-6F175D3DCCD1}">
+              <a14:hiddenFill xmlns:a14="http://schemas.microsoft.com/office/drawing/2010/main">
+                <a:solidFill>
+                  <a:srgbClr val="FFFFFF"/>
+                </a:solidFill>
+              </a14:hiddenFill>
+            </a:ext>
+          </a:extLst>
+        </p:spPr>
+      </p:pic>
+      <p:pic>
+        <p:nvPicPr>
+          <p:cNvPr id="3078" name="Picture 6">
+            <a:extLst>
+              <a:ext uri="{FF2B5EF4-FFF2-40B4-BE49-F238E27FC236}">
+                <a16:creationId xmlns:a16="http://schemas.microsoft.com/office/drawing/2014/main" id="{7BA27B55-7C10-5DAE-72FE-2F42CF6D1DF8}"/>
+              </a:ext>
+            </a:extLst>
+          </p:cNvPr>
+          <p:cNvPicPr>
+            <a:picLocks noChangeAspect="1" noChangeArrowheads="1"/>
+          </p:cNvPicPr>
+          <p:nvPr/>
+        </p:nvPicPr>
+        <p:blipFill>
+          <a:blip r:embed="rId5">
+            <a:extLst>
+              <a:ext uri="{28A0092B-C50C-407E-A947-70E740481C1C}">
+                <a14:useLocalDpi xmlns:a14="http://schemas.microsoft.com/office/drawing/2010/main" val="0"/>
+              </a:ext>
+            </a:extLst>
+          </a:blip>
+          <a:srcRect/>
+          <a:stretch>
+            <a:fillRect/>
+          </a:stretch>
+        </p:blipFill>
+        <p:spPr bwMode="auto">
+          <a:xfrm>
+            <a:off x="5721927" y="3123899"/>
+            <a:ext cx="6224443" cy="3639139"/>
+          </a:xfrm>
+          <a:prstGeom prst="rect">
+            <a:avLst/>
+          </a:prstGeom>
+          <a:noFill/>
+          <a:extLst>
+            <a:ext uri="{909E8E84-426E-40DD-AFC4-6F175D3DCCD1}">
+              <a14:hiddenFill xmlns:a14="http://schemas.microsoft.com/office/drawing/2010/main">
+                <a:solidFill>
+                  <a:srgbClr val="FFFFFF"/>
+                </a:solidFill>
+              </a14:hiddenFill>
+            </a:ext>
+          </a:extLst>
+        </p:spPr>
+      </p:pic>
     </p:spTree>
     <p:extLst>
       <p:ext uri="{BB962C8B-B14F-4D97-AF65-F5344CB8AC3E}">
@@ -3700,6 +3826,171 @@
   <p:clrMapOvr>
     <a:masterClrMapping/>
   </p:clrMapOvr>
+  <p:timing>
+    <p:tnLst>
+      <p:par>
+        <p:cTn id="1" dur="indefinite" restart="never" nodeType="tmRoot">
+          <p:childTnLst>
+            <p:seq concurrent="1" nextAc="seek">
+              <p:cTn id="2" dur="indefinite" nodeType="mainSeq">
+                <p:childTnLst>
+                  <p:par>
+                    <p:cTn id="3" fill="hold">
+                      <p:stCondLst>
+                        <p:cond delay="indefinite"/>
+                      </p:stCondLst>
+                      <p:childTnLst>
+                        <p:par>
+                          <p:cTn id="4" fill="hold">
+                            <p:stCondLst>
+                              <p:cond delay="0"/>
+                            </p:stCondLst>
+                            <p:childTnLst>
+                              <p:par>
+                                <p:cTn id="5" presetID="1" presetClass="entr" presetSubtype="0" fill="hold" nodeType="clickEffect">
+                                  <p:stCondLst>
+                                    <p:cond delay="0"/>
+                                  </p:stCondLst>
+                                  <p:childTnLst>
+                                    <p:set>
+                                      <p:cBhvr>
+                                        <p:cTn id="6" dur="1" fill="hold">
+                                          <p:stCondLst>
+                                            <p:cond delay="0"/>
+                                          </p:stCondLst>
+                                        </p:cTn>
+                                        <p:tgtEl>
+                                          <p:spTgt spid="3074"/>
+                                        </p:tgtEl>
+                                        <p:attrNameLst>
+                                          <p:attrName>style.visibility</p:attrName>
+                                        </p:attrNameLst>
+                                      </p:cBhvr>
+                                      <p:to>
+                                        <p:strVal val="visible"/>
+                                      </p:to>
+                                    </p:set>
+                                  </p:childTnLst>
+                                </p:cTn>
+                              </p:par>
+                            </p:childTnLst>
+                          </p:cTn>
+                        </p:par>
+                      </p:childTnLst>
+                    </p:cTn>
+                  </p:par>
+                  <p:par>
+                    <p:cTn id="7" fill="hold">
+                      <p:stCondLst>
+                        <p:cond delay="indefinite"/>
+                      </p:stCondLst>
+                      <p:childTnLst>
+                        <p:par>
+                          <p:cTn id="8" fill="hold">
+                            <p:stCondLst>
+                              <p:cond delay="0"/>
+                            </p:stCondLst>
+                            <p:childTnLst>
+                              <p:par>
+                                <p:cTn id="9" presetID="1" presetClass="entr" presetSubtype="0" fill="hold" nodeType="clickEffect">
+                                  <p:stCondLst>
+                                    <p:cond delay="0"/>
+                                  </p:stCondLst>
+                                  <p:childTnLst>
+                                    <p:set>
+                                      <p:cBhvr>
+                                        <p:cTn id="10" dur="1" fill="hold">
+                                          <p:stCondLst>
+                                            <p:cond delay="0"/>
+                                          </p:stCondLst>
+                                        </p:cTn>
+                                        <p:tgtEl>
+                                          <p:spTgt spid="3076"/>
+                                        </p:tgtEl>
+                                        <p:attrNameLst>
+                                          <p:attrName>style.visibility</p:attrName>
+                                        </p:attrNameLst>
+                                      </p:cBhvr>
+                                      <p:to>
+                                        <p:strVal val="visible"/>
+                                      </p:to>
+                                    </p:set>
+                                  </p:childTnLst>
+                                </p:cTn>
+                              </p:par>
+                            </p:childTnLst>
+                          </p:cTn>
+                        </p:par>
+                      </p:childTnLst>
+                    </p:cTn>
+                  </p:par>
+                  <p:par>
+                    <p:cTn id="11" fill="hold">
+                      <p:stCondLst>
+                        <p:cond delay="indefinite"/>
+                      </p:stCondLst>
+                      <p:childTnLst>
+                        <p:par>
+                          <p:cTn id="12" fill="hold">
+                            <p:stCondLst>
+                              <p:cond delay="0"/>
+                            </p:stCondLst>
+                            <p:childTnLst>
+                              <p:par>
+                                <p:cTn id="13" presetID="1" presetClass="entr" presetSubtype="0" fill="hold" nodeType="clickEffect">
+                                  <p:stCondLst>
+                                    <p:cond delay="0"/>
+                                  </p:stCondLst>
+                                  <p:childTnLst>
+                                    <p:set>
+                                      <p:cBhvr>
+                                        <p:cTn id="14" dur="1" fill="hold">
+                                          <p:stCondLst>
+                                            <p:cond delay="0"/>
+                                          </p:stCondLst>
+                                        </p:cTn>
+                                        <p:tgtEl>
+                                          <p:spTgt spid="3078"/>
+                                        </p:tgtEl>
+                                        <p:attrNameLst>
+                                          <p:attrName>style.visibility</p:attrName>
+                                        </p:attrNameLst>
+                                      </p:cBhvr>
+                                      <p:to>
+                                        <p:strVal val="visible"/>
+                                      </p:to>
+                                    </p:set>
+                                  </p:childTnLst>
+                                </p:cTn>
+                              </p:par>
+                            </p:childTnLst>
+                          </p:cTn>
+                        </p:par>
+                      </p:childTnLst>
+                    </p:cTn>
+                  </p:par>
+                </p:childTnLst>
+              </p:cTn>
+              <p:prevCondLst>
+                <p:cond evt="onPrev" delay="0">
+                  <p:tgtEl>
+                    <p:sldTgt/>
+                  </p:tgtEl>
+                </p:cond>
+              </p:prevCondLst>
+              <p:nextCondLst>
+                <p:cond evt="onNext" delay="0">
+                  <p:tgtEl>
+                    <p:sldTgt/>
+                  </p:tgtEl>
+                </p:cond>
+              </p:nextCondLst>
+            </p:seq>
+          </p:childTnLst>
+        </p:cTn>
+      </p:par>
+    </p:tnLst>
+  </p:timing>
 </p:sld>
 </file>
 

--- a/slides/04_Functions.pptx
+++ b/slides/04_Functions.pptx
@@ -7,8 +7,7 @@
   <p:sldIdLst>
     <p:sldId id="256" r:id="rId2"/>
     <p:sldId id="259" r:id="rId3"/>
-    <p:sldId id="257" r:id="rId4"/>
-    <p:sldId id="258" r:id="rId5"/>
+    <p:sldId id="258" r:id="rId4"/>
   </p:sldIdLst>
   <p:sldSz cx="12192000" cy="6858000"/>
   <p:notesSz cx="6858000" cy="9144000"/>
@@ -262,7 +261,7 @@
           <a:p>
             <a:fld id="{0196BA22-0F89-724A-9852-743569328229}" type="datetimeFigureOut">
               <a:rPr lang="en-US" smtClean="0"/>
-              <a:t>9/19/23</a:t>
+              <a:t>9/21/23</a:t>
             </a:fld>
             <a:endParaRPr lang="en-US"/>
           </a:p>
@@ -460,7 +459,7 @@
           <a:p>
             <a:fld id="{0196BA22-0F89-724A-9852-743569328229}" type="datetimeFigureOut">
               <a:rPr lang="en-US" smtClean="0"/>
-              <a:t>9/19/23</a:t>
+              <a:t>9/21/23</a:t>
             </a:fld>
             <a:endParaRPr lang="en-US"/>
           </a:p>
@@ -668,7 +667,7 @@
           <a:p>
             <a:fld id="{0196BA22-0F89-724A-9852-743569328229}" type="datetimeFigureOut">
               <a:rPr lang="en-US" smtClean="0"/>
-              <a:t>9/19/23</a:t>
+              <a:t>9/21/23</a:t>
             </a:fld>
             <a:endParaRPr lang="en-US"/>
           </a:p>
@@ -866,7 +865,7 @@
           <a:p>
             <a:fld id="{0196BA22-0F89-724A-9852-743569328229}" type="datetimeFigureOut">
               <a:rPr lang="en-US" smtClean="0"/>
-              <a:t>9/19/23</a:t>
+              <a:t>9/21/23</a:t>
             </a:fld>
             <a:endParaRPr lang="en-US"/>
           </a:p>
@@ -1141,7 +1140,7 @@
           <a:p>
             <a:fld id="{0196BA22-0F89-724A-9852-743569328229}" type="datetimeFigureOut">
               <a:rPr lang="en-US" smtClean="0"/>
-              <a:t>9/19/23</a:t>
+              <a:t>9/21/23</a:t>
             </a:fld>
             <a:endParaRPr lang="en-US"/>
           </a:p>
@@ -1406,7 +1405,7 @@
           <a:p>
             <a:fld id="{0196BA22-0F89-724A-9852-743569328229}" type="datetimeFigureOut">
               <a:rPr lang="en-US" smtClean="0"/>
-              <a:t>9/19/23</a:t>
+              <a:t>9/21/23</a:t>
             </a:fld>
             <a:endParaRPr lang="en-US"/>
           </a:p>
@@ -1818,7 +1817,7 @@
           <a:p>
             <a:fld id="{0196BA22-0F89-724A-9852-743569328229}" type="datetimeFigureOut">
               <a:rPr lang="en-US" smtClean="0"/>
-              <a:t>9/19/23</a:t>
+              <a:t>9/21/23</a:t>
             </a:fld>
             <a:endParaRPr lang="en-US"/>
           </a:p>
@@ -1959,7 +1958,7 @@
           <a:p>
             <a:fld id="{0196BA22-0F89-724A-9852-743569328229}" type="datetimeFigureOut">
               <a:rPr lang="en-US" smtClean="0"/>
-              <a:t>9/19/23</a:t>
+              <a:t>9/21/23</a:t>
             </a:fld>
             <a:endParaRPr lang="en-US"/>
           </a:p>
@@ -2072,7 +2071,7 @@
           <a:p>
             <a:fld id="{0196BA22-0F89-724A-9852-743569328229}" type="datetimeFigureOut">
               <a:rPr lang="en-US" smtClean="0"/>
-              <a:t>9/19/23</a:t>
+              <a:t>9/21/23</a:t>
             </a:fld>
             <a:endParaRPr lang="en-US"/>
           </a:p>
@@ -2383,7 +2382,7 @@
           <a:p>
             <a:fld id="{0196BA22-0F89-724A-9852-743569328229}" type="datetimeFigureOut">
               <a:rPr lang="en-US" smtClean="0"/>
-              <a:t>9/19/23</a:t>
+              <a:t>9/21/23</a:t>
             </a:fld>
             <a:endParaRPr lang="en-US"/>
           </a:p>
@@ -2671,7 +2670,7 @@
           <a:p>
             <a:fld id="{0196BA22-0F89-724A-9852-743569328229}" type="datetimeFigureOut">
               <a:rPr lang="en-US" smtClean="0"/>
-              <a:t>9/19/23</a:t>
+              <a:t>9/21/23</a:t>
             </a:fld>
             <a:endParaRPr lang="en-US"/>
           </a:p>
@@ -2912,7 +2911,7 @@
           <a:p>
             <a:fld id="{0196BA22-0F89-724A-9852-743569328229}" type="datetimeFigureOut">
               <a:rPr lang="en-US" smtClean="0"/>
-              <a:t>9/19/23</a:t>
+              <a:t>9/21/23</a:t>
             </a:fld>
             <a:endParaRPr lang="en-US"/>
           </a:p>
@@ -3378,6 +3377,15 @@
           <a:bodyPr/>
           <a:lstStyle/>
           <a:p>
+            <a:endParaRPr lang="en-US" dirty="0"/>
+          </a:p>
+          <a:p>
+            <a:r>
+              <a:rPr lang="en-US" dirty="0"/>
+              <a:t>Final comments on memory</a:t>
+            </a:r>
+          </a:p>
+          <a:p>
             <a:r>
               <a:rPr lang="en-US" dirty="0"/>
               <a:t>How to write functions</a:t>
@@ -3494,10 +3502,10 @@
       </p:grpSpPr>
       <p:pic>
         <p:nvPicPr>
-          <p:cNvPr id="2050" name="Picture 2">
-            <a:extLst>
-              <a:ext uri="{FF2B5EF4-FFF2-40B4-BE49-F238E27FC236}">
-                <a16:creationId xmlns:a16="http://schemas.microsoft.com/office/drawing/2014/main" id="{DE5D1BC4-ADEF-CD1F-C189-C99D8E1BE6A7}"/>
+          <p:cNvPr id="1026" name="Picture 2" descr="3 Vectors | Advanced R">
+            <a:extLst>
+              <a:ext uri="{FF2B5EF4-FFF2-40B4-BE49-F238E27FC236}">
+                <a16:creationId xmlns:a16="http://schemas.microsoft.com/office/drawing/2014/main" id="{B68B464B-3885-F89F-2851-7364762788DE}"/>
               </a:ext>
             </a:extLst>
           </p:cNvPr>
@@ -3521,8 +3529,8 @@
         </p:blipFill>
         <p:spPr bwMode="auto">
           <a:xfrm>
-            <a:off x="2946400" y="1708150"/>
-            <a:ext cx="6299200" cy="3441700"/>
+            <a:off x="1201738" y="587555"/>
+            <a:ext cx="6179001" cy="6270445"/>
           </a:xfrm>
           <a:prstGeom prst="rect">
             <a:avLst/>
@@ -3539,6 +3547,145 @@
           </a:extLst>
         </p:spPr>
       </p:pic>
+      <p:pic>
+        <p:nvPicPr>
+          <p:cNvPr id="2050" name="Picture 2">
+            <a:extLst>
+              <a:ext uri="{FF2B5EF4-FFF2-40B4-BE49-F238E27FC236}">
+                <a16:creationId xmlns:a16="http://schemas.microsoft.com/office/drawing/2014/main" id="{DE5D1BC4-ADEF-CD1F-C189-C99D8E1BE6A7}"/>
+              </a:ext>
+            </a:extLst>
+          </p:cNvPr>
+          <p:cNvPicPr>
+            <a:picLocks noChangeAspect="1" noChangeArrowheads="1"/>
+          </p:cNvPicPr>
+          <p:nvPr/>
+        </p:nvPicPr>
+        <p:blipFill>
+          <a:blip r:embed="rId3">
+            <a:extLst>
+              <a:ext uri="{28A0092B-C50C-407E-A947-70E740481C1C}">
+                <a14:useLocalDpi xmlns:a14="http://schemas.microsoft.com/office/drawing/2010/main" val="0"/>
+              </a:ext>
+            </a:extLst>
+          </a:blip>
+          <a:srcRect/>
+          <a:stretch>
+            <a:fillRect/>
+          </a:stretch>
+        </p:blipFill>
+        <p:spPr bwMode="auto">
+          <a:xfrm>
+            <a:off x="3275499" y="587555"/>
+            <a:ext cx="3980255" cy="2174695"/>
+          </a:xfrm>
+          <a:prstGeom prst="rect">
+            <a:avLst/>
+          </a:prstGeom>
+          <a:noFill/>
+          <a:extLst>
+            <a:ext uri="{909E8E84-426E-40DD-AFC4-6F175D3DCCD1}">
+              <a14:hiddenFill xmlns:a14="http://schemas.microsoft.com/office/drawing/2010/main">
+                <a:solidFill>
+                  <a:srgbClr val="FFFFFF"/>
+                </a:solidFill>
+              </a14:hiddenFill>
+            </a:ext>
+          </a:extLst>
+        </p:spPr>
+      </p:pic>
+      <p:sp>
+        <p:nvSpPr>
+          <p:cNvPr id="3" name="TextBox 2">
+            <a:extLst>
+              <a:ext uri="{FF2B5EF4-FFF2-40B4-BE49-F238E27FC236}">
+                <a16:creationId xmlns:a16="http://schemas.microsoft.com/office/drawing/2014/main" id="{2ECCBAC3-756C-5002-F806-278CC3BD0678}"/>
+              </a:ext>
+            </a:extLst>
+          </p:cNvPr>
+          <p:cNvSpPr txBox="1"/>
+          <p:nvPr/>
+        </p:nvSpPr>
+        <p:spPr>
+          <a:xfrm>
+            <a:off x="6693838" y="2228671"/>
+            <a:ext cx="2760662" cy="1200329"/>
+          </a:xfrm>
+          <a:prstGeom prst="rect">
+            <a:avLst/>
+          </a:prstGeom>
+          <a:noFill/>
+        </p:spPr>
+        <p:txBody>
+          <a:bodyPr wrap="square" rtlCol="0">
+            <a:spAutoFit/>
+          </a:bodyPr>
+          <a:lstStyle/>
+          <a:p>
+            <a:r>
+              <a:rPr lang="en-US" dirty="0"/>
+              <a:t>Can contain any combination of atomic elements, as well as functions, </a:t>
+            </a:r>
+            <a:r>
+              <a:rPr lang="en-US" dirty="0" err="1"/>
+              <a:t>dataframes</a:t>
+            </a:r>
+            <a:r>
+              <a:rPr lang="en-US" dirty="0"/>
+              <a:t>, </a:t>
+            </a:r>
+            <a:r>
+              <a:rPr lang="en-US" dirty="0" err="1"/>
+              <a:t>etc</a:t>
+            </a:r>
+            <a:endParaRPr lang="en-US" dirty="0"/>
+          </a:p>
+        </p:txBody>
+      </p:sp>
+      <p:cxnSp>
+        <p:nvCxnSpPr>
+          <p:cNvPr id="5" name="Straight Arrow Connector 4">
+            <a:extLst>
+              <a:ext uri="{FF2B5EF4-FFF2-40B4-BE49-F238E27FC236}">
+                <a16:creationId xmlns:a16="http://schemas.microsoft.com/office/drawing/2014/main" id="{0DBD754B-B4C4-D634-DCA4-08DD3234F7BA}"/>
+              </a:ext>
+            </a:extLst>
+          </p:cNvPr>
+          <p:cNvCxnSpPr>
+            <a:stCxn id="3" idx="1"/>
+          </p:cNvCxnSpPr>
+          <p:nvPr/>
+        </p:nvCxnSpPr>
+        <p:spPr>
+          <a:xfrm flipH="1" flipV="1">
+            <a:off x="6096000" y="2501900"/>
+            <a:ext cx="597838" cy="326936"/>
+          </a:xfrm>
+          <a:prstGeom prst="straightConnector1">
+            <a:avLst/>
+          </a:prstGeom>
+          <a:ln w="38100">
+            <a:solidFill>
+              <a:schemeClr val="tx1"/>
+            </a:solidFill>
+            <a:tailEnd type="triangle" w="lg" len="lg"/>
+          </a:ln>
+        </p:spPr>
+        <p:style>
+          <a:lnRef idx="1">
+            <a:schemeClr val="accent1"/>
+          </a:lnRef>
+          <a:fillRef idx="0">
+            <a:schemeClr val="accent1"/>
+          </a:fillRef>
+          <a:effectRef idx="0">
+            <a:schemeClr val="accent1"/>
+          </a:effectRef>
+          <a:fontRef idx="minor">
+            <a:schemeClr val="tx1"/>
+          </a:fontRef>
+        </p:style>
+      </p:cxnSp>
     </p:spTree>
     <p:extLst>
       <p:ext uri="{BB962C8B-B14F-4D97-AF65-F5344CB8AC3E}">
@@ -3549,6 +3696,138 @@
   <p:clrMapOvr>
     <a:masterClrMapping/>
   </p:clrMapOvr>
+  <p:timing>
+    <p:tnLst>
+      <p:par>
+        <p:cTn id="1" dur="indefinite" restart="never" nodeType="tmRoot">
+          <p:childTnLst>
+            <p:seq concurrent="1" nextAc="seek">
+              <p:cTn id="2" dur="indefinite" nodeType="mainSeq">
+                <p:childTnLst>
+                  <p:par>
+                    <p:cTn id="3" fill="hold">
+                      <p:stCondLst>
+                        <p:cond delay="indefinite"/>
+                      </p:stCondLst>
+                      <p:childTnLst>
+                        <p:par>
+                          <p:cTn id="4" fill="hold">
+                            <p:stCondLst>
+                              <p:cond delay="0"/>
+                            </p:stCondLst>
+                            <p:childTnLst>
+                              <p:par>
+                                <p:cTn id="5" presetID="1" presetClass="entr" presetSubtype="0" fill="hold" nodeType="clickEffect">
+                                  <p:stCondLst>
+                                    <p:cond delay="0"/>
+                                  </p:stCondLst>
+                                  <p:childTnLst>
+                                    <p:set>
+                                      <p:cBhvr>
+                                        <p:cTn id="6" dur="1" fill="hold">
+                                          <p:stCondLst>
+                                            <p:cond delay="0"/>
+                                          </p:stCondLst>
+                                        </p:cTn>
+                                        <p:tgtEl>
+                                          <p:spTgt spid="2050"/>
+                                        </p:tgtEl>
+                                        <p:attrNameLst>
+                                          <p:attrName>style.visibility</p:attrName>
+                                        </p:attrNameLst>
+                                      </p:cBhvr>
+                                      <p:to>
+                                        <p:strVal val="visible"/>
+                                      </p:to>
+                                    </p:set>
+                                  </p:childTnLst>
+                                </p:cTn>
+                              </p:par>
+                              <p:par>
+                                <p:cTn id="7" presetID="1" presetClass="entr" presetSubtype="0" fill="hold" nodeType="withEffect">
+                                  <p:stCondLst>
+                                    <p:cond delay="0"/>
+                                  </p:stCondLst>
+                                  <p:childTnLst>
+                                    <p:set>
+                                      <p:cBhvr>
+                                        <p:cTn id="8" dur="1" fill="hold">
+                                          <p:stCondLst>
+                                            <p:cond delay="0"/>
+                                          </p:stCondLst>
+                                        </p:cTn>
+                                        <p:tgtEl>
+                                          <p:spTgt spid="5"/>
+                                        </p:tgtEl>
+                                        <p:attrNameLst>
+                                          <p:attrName>style.visibility</p:attrName>
+                                        </p:attrNameLst>
+                                      </p:cBhvr>
+                                      <p:to>
+                                        <p:strVal val="visible"/>
+                                      </p:to>
+                                    </p:set>
+                                  </p:childTnLst>
+                                </p:cTn>
+                              </p:par>
+                              <p:par>
+                                <p:cTn id="9" presetID="1" presetClass="entr" presetSubtype="0" fill="hold" grpId="0" nodeType="withEffect">
+                                  <p:stCondLst>
+                                    <p:cond delay="0"/>
+                                  </p:stCondLst>
+                                  <p:childTnLst>
+                                    <p:set>
+                                      <p:cBhvr>
+                                        <p:cTn id="10" dur="1" fill="hold">
+                                          <p:stCondLst>
+                                            <p:cond delay="0"/>
+                                          </p:stCondLst>
+                                        </p:cTn>
+                                        <p:tgtEl>
+                                          <p:spTgt spid="3"/>
+                                        </p:tgtEl>
+                                        <p:attrNameLst>
+                                          <p:attrName>style.visibility</p:attrName>
+                                        </p:attrNameLst>
+                                      </p:cBhvr>
+                                      <p:to>
+                                        <p:strVal val="visible"/>
+                                      </p:to>
+                                    </p:set>
+                                  </p:childTnLst>
+                                </p:cTn>
+                              </p:par>
+                            </p:childTnLst>
+                          </p:cTn>
+                        </p:par>
+                      </p:childTnLst>
+                    </p:cTn>
+                  </p:par>
+                </p:childTnLst>
+              </p:cTn>
+              <p:prevCondLst>
+                <p:cond evt="onPrev" delay="0">
+                  <p:tgtEl>
+                    <p:sldTgt/>
+                  </p:tgtEl>
+                </p:cond>
+              </p:prevCondLst>
+              <p:nextCondLst>
+                <p:cond evt="onNext" delay="0">
+                  <p:tgtEl>
+                    <p:sldTgt/>
+                  </p:tgtEl>
+                </p:cond>
+              </p:nextCondLst>
+            </p:seq>
+          </p:childTnLst>
+        </p:cTn>
+      </p:par>
+    </p:tnLst>
+    <p:bldLst>
+      <p:bldP spid="3" grpId="0"/>
+    </p:bldLst>
+  </p:timing>
 </p:sld>
 </file>
 
@@ -3571,83 +3850,6 @@
       </p:grpSpPr>
       <p:pic>
         <p:nvPicPr>
-          <p:cNvPr id="1026" name="Picture 2">
-            <a:extLst>
-              <a:ext uri="{FF2B5EF4-FFF2-40B4-BE49-F238E27FC236}">
-                <a16:creationId xmlns:a16="http://schemas.microsoft.com/office/drawing/2014/main" id="{F58B9E78-C28F-3AF5-8674-AA78C6AF1FF7}"/>
-              </a:ext>
-            </a:extLst>
-          </p:cNvPr>
-          <p:cNvPicPr>
-            <a:picLocks noChangeAspect="1" noChangeArrowheads="1"/>
-          </p:cNvPicPr>
-          <p:nvPr/>
-        </p:nvPicPr>
-        <p:blipFill>
-          <a:blip r:embed="rId2">
-            <a:extLst>
-              <a:ext uri="{28A0092B-C50C-407E-A947-70E740481C1C}">
-                <a14:useLocalDpi xmlns:a14="http://schemas.microsoft.com/office/drawing/2010/main" val="0"/>
-              </a:ext>
-            </a:extLst>
-          </a:blip>
-          <a:srcRect/>
-          <a:stretch>
-            <a:fillRect/>
-          </a:stretch>
-        </p:blipFill>
-        <p:spPr bwMode="auto">
-          <a:xfrm>
-            <a:off x="2735264" y="711200"/>
-            <a:ext cx="6374248" cy="5435600"/>
-          </a:xfrm>
-          <a:prstGeom prst="rect">
-            <a:avLst/>
-          </a:prstGeom>
-          <a:noFill/>
-          <a:extLst>
-            <a:ext uri="{909E8E84-426E-40DD-AFC4-6F175D3DCCD1}">
-              <a14:hiddenFill xmlns:a14="http://schemas.microsoft.com/office/drawing/2010/main">
-                <a:solidFill>
-                  <a:srgbClr val="FFFFFF"/>
-                </a:solidFill>
-              </a14:hiddenFill>
-            </a:ext>
-          </a:extLst>
-        </p:spPr>
-      </p:pic>
-    </p:spTree>
-    <p:extLst>
-      <p:ext uri="{BB962C8B-B14F-4D97-AF65-F5344CB8AC3E}">
-        <p14:creationId xmlns:p14="http://schemas.microsoft.com/office/powerpoint/2010/main" val="57567064"/>
-      </p:ext>
-    </p:extLst>
-  </p:cSld>
-  <p:clrMapOvr>
-    <a:masterClrMapping/>
-  </p:clrMapOvr>
-</p:sld>
-</file>
-
-<file path=ppt/slides/slide4.xml><?xml version="1.0" encoding="utf-8"?>
-<p:sld xmlns:a="http://schemas.openxmlformats.org/drawingml/2006/main" xmlns:r="http://schemas.openxmlformats.org/officeDocument/2006/relationships" xmlns:p="http://schemas.openxmlformats.org/presentationml/2006/main">
-  <p:cSld>
-    <p:spTree>
-      <p:nvGrpSpPr>
-        <p:cNvPr id="1" name=""/>
-        <p:cNvGrpSpPr/>
-        <p:nvPr/>
-      </p:nvGrpSpPr>
-      <p:grpSpPr>
-        <a:xfrm>
-          <a:off x="0" y="0"/>
-          <a:ext cx="0" cy="0"/>
-          <a:chOff x="0" y="0"/>
-          <a:chExt cx="0" cy="0"/>
-        </a:xfrm>
-      </p:grpSpPr>
-      <p:pic>
-        <p:nvPicPr>
           <p:cNvPr id="5" name="Content Placeholder 4">
             <a:extLst>
               <a:ext uri="{FF2B5EF4-FFF2-40B4-BE49-F238E27FC236}">
@@ -3704,7 +3906,7 @@
         </p:blipFill>
         <p:spPr bwMode="auto">
           <a:xfrm>
-            <a:off x="144114" y="1972863"/>
+            <a:off x="-327378" y="1972863"/>
             <a:ext cx="7534157" cy="1201737"/>
           </a:xfrm>
           <a:prstGeom prst="rect">
@@ -3751,7 +3953,7 @@
         </p:blipFill>
         <p:spPr bwMode="auto">
           <a:xfrm>
-            <a:off x="288228" y="3454104"/>
+            <a:off x="-183264" y="3454104"/>
             <a:ext cx="7245927" cy="1925643"/>
           </a:xfrm>
           <a:prstGeom prst="rect">
@@ -3798,7 +4000,7 @@
         </p:blipFill>
         <p:spPr bwMode="auto">
           <a:xfrm>
-            <a:off x="5721927" y="3123899"/>
+            <a:off x="6436306" y="3123899"/>
             <a:ext cx="6224443" cy="3639139"/>
           </a:xfrm>
           <a:prstGeom prst="rect">
@@ -3816,6 +4018,120 @@
           </a:extLst>
         </p:spPr>
       </p:pic>
+      <p:sp>
+        <p:nvSpPr>
+          <p:cNvPr id="2" name="TextBox 1">
+            <a:extLst>
+              <a:ext uri="{FF2B5EF4-FFF2-40B4-BE49-F238E27FC236}">
+                <a16:creationId xmlns:a16="http://schemas.microsoft.com/office/drawing/2014/main" id="{BE16F66A-F001-C5F0-F807-119B0628AC71}"/>
+              </a:ext>
+            </a:extLst>
+          </p:cNvPr>
+          <p:cNvSpPr txBox="1"/>
+          <p:nvPr/>
+        </p:nvSpPr>
+        <p:spPr>
+          <a:xfrm>
+            <a:off x="5821967" y="3776263"/>
+            <a:ext cx="1976823" cy="369332"/>
+          </a:xfrm>
+          <a:prstGeom prst="rect">
+            <a:avLst/>
+          </a:prstGeom>
+          <a:noFill/>
+        </p:spPr>
+        <p:txBody>
+          <a:bodyPr wrap="none" rtlCol="0">
+            <a:spAutoFit/>
+          </a:bodyPr>
+          <a:lstStyle/>
+          <a:p>
+            <a:r>
+              <a:rPr lang="en-US" dirty="0">
+                <a:latin typeface="Courier New" panose="02070309020205020404" pitchFamily="49" charset="0"/>
+                <a:cs typeface="Courier New" panose="02070309020205020404" pitchFamily="49" charset="0"/>
+              </a:rPr>
+              <a:t>x[c(T, T, F)]</a:t>
+            </a:r>
+          </a:p>
+        </p:txBody>
+      </p:sp>
+      <p:sp>
+        <p:nvSpPr>
+          <p:cNvPr id="3" name="TextBox 2">
+            <a:extLst>
+              <a:ext uri="{FF2B5EF4-FFF2-40B4-BE49-F238E27FC236}">
+                <a16:creationId xmlns:a16="http://schemas.microsoft.com/office/drawing/2014/main" id="{C38FF0BA-B80B-AB2C-2FFF-6006E345D90A}"/>
+              </a:ext>
+            </a:extLst>
+          </p:cNvPr>
+          <p:cNvSpPr txBox="1"/>
+          <p:nvPr/>
+        </p:nvSpPr>
+        <p:spPr>
+          <a:xfrm>
+            <a:off x="5821966" y="4652574"/>
+            <a:ext cx="1976823" cy="369332"/>
+          </a:xfrm>
+          <a:prstGeom prst="rect">
+            <a:avLst/>
+          </a:prstGeom>
+          <a:noFill/>
+        </p:spPr>
+        <p:txBody>
+          <a:bodyPr wrap="none" rtlCol="0">
+            <a:spAutoFit/>
+          </a:bodyPr>
+          <a:lstStyle/>
+          <a:p>
+            <a:r>
+              <a:rPr lang="en-US" dirty="0">
+                <a:latin typeface="Courier New" panose="02070309020205020404" pitchFamily="49" charset="0"/>
+                <a:cs typeface="Courier New" panose="02070309020205020404" pitchFamily="49" charset="0"/>
+              </a:rPr>
+              <a:t>x[c(T, F, T)]</a:t>
+            </a:r>
+          </a:p>
+        </p:txBody>
+      </p:sp>
+      <p:sp>
+        <p:nvSpPr>
+          <p:cNvPr id="4" name="TextBox 3">
+            <a:extLst>
+              <a:ext uri="{FF2B5EF4-FFF2-40B4-BE49-F238E27FC236}">
+                <a16:creationId xmlns:a16="http://schemas.microsoft.com/office/drawing/2014/main" id="{84848452-E366-05C0-8395-8DC4185116E9}"/>
+              </a:ext>
+            </a:extLst>
+          </p:cNvPr>
+          <p:cNvSpPr txBox="1"/>
+          <p:nvPr/>
+        </p:nvSpPr>
+        <p:spPr>
+          <a:xfrm>
+            <a:off x="5821965" y="6460369"/>
+            <a:ext cx="1976823" cy="369332"/>
+          </a:xfrm>
+          <a:prstGeom prst="rect">
+            <a:avLst/>
+          </a:prstGeom>
+          <a:noFill/>
+        </p:spPr>
+        <p:txBody>
+          <a:bodyPr wrap="none" rtlCol="0">
+            <a:spAutoFit/>
+          </a:bodyPr>
+          <a:lstStyle/>
+          <a:p>
+            <a:r>
+              <a:rPr lang="en-US" dirty="0">
+                <a:latin typeface="Courier New" panose="02070309020205020404" pitchFamily="49" charset="0"/>
+                <a:cs typeface="Courier New" panose="02070309020205020404" pitchFamily="49" charset="0"/>
+              </a:rPr>
+              <a:t>x[c(F, F, F)]</a:t>
+            </a:r>
+          </a:p>
+        </p:txBody>
+      </p:sp>
     </p:spTree>
     <p:extLst>
       <p:ext uri="{BB962C8B-B14F-4D97-AF65-F5344CB8AC3E}">
@@ -3969,6 +4285,141 @@
                       </p:childTnLst>
                     </p:cTn>
                   </p:par>
+                  <p:par>
+                    <p:cTn id="15" fill="hold">
+                      <p:stCondLst>
+                        <p:cond delay="indefinite"/>
+                      </p:stCondLst>
+                      <p:childTnLst>
+                        <p:par>
+                          <p:cTn id="16" fill="hold">
+                            <p:stCondLst>
+                              <p:cond delay="0"/>
+                            </p:stCondLst>
+                            <p:childTnLst>
+                              <p:par>
+                                <p:cTn id="17" presetID="1" presetClass="entr" presetSubtype="0" fill="hold" grpId="0" nodeType="clickEffect">
+                                  <p:stCondLst>
+                                    <p:cond delay="0"/>
+                                  </p:stCondLst>
+                                  <p:childTnLst>
+                                    <p:set>
+                                      <p:cBhvr>
+                                        <p:cTn id="18" dur="1" fill="hold">
+                                          <p:stCondLst>
+                                            <p:cond delay="0"/>
+                                          </p:stCondLst>
+                                        </p:cTn>
+                                        <p:tgtEl>
+                                          <p:spTgt spid="2"/>
+                                        </p:tgtEl>
+                                        <p:attrNameLst>
+                                          <p:attrName>style.visibility</p:attrName>
+                                        </p:attrNameLst>
+                                      </p:cBhvr>
+                                      <p:to>
+                                        <p:strVal val="visible"/>
+                                      </p:to>
+                                    </p:set>
+                                  </p:childTnLst>
+                                </p:cTn>
+                              </p:par>
+                            </p:childTnLst>
+                          </p:cTn>
+                        </p:par>
+                      </p:childTnLst>
+                    </p:cTn>
+                  </p:par>
+                  <p:par>
+                    <p:cTn id="19" fill="hold">
+                      <p:stCondLst>
+                        <p:cond delay="indefinite"/>
+                      </p:stCondLst>
+                      <p:childTnLst>
+                        <p:par>
+                          <p:cTn id="20" fill="hold">
+                            <p:stCondLst>
+                              <p:cond delay="0"/>
+                            </p:stCondLst>
+                            <p:childTnLst>
+                              <p:par>
+                                <p:cTn id="21" presetID="1" presetClass="entr" presetSubtype="0" fill="hold" grpId="0" nodeType="clickEffect">
+                                  <p:stCondLst>
+                                    <p:cond delay="0"/>
+                                  </p:stCondLst>
+                                  <p:childTnLst>
+                                    <p:set>
+                                      <p:cBhvr>
+                                        <p:cTn id="22" dur="1" fill="hold">
+                                          <p:stCondLst>
+                                            <p:cond delay="0"/>
+                                          </p:stCondLst>
+                                        </p:cTn>
+                                        <p:tgtEl>
+                                          <p:spTgt spid="3"/>
+                                        </p:tgtEl>
+                                        <p:attrNameLst>
+                                          <p:attrName>style.visibility</p:attrName>
+                                        </p:attrNameLst>
+                                      </p:cBhvr>
+                                      <p:to>
+                                        <p:strVal val="visible"/>
+                                      </p:to>
+                                    </p:set>
+                                  </p:childTnLst>
+                                </p:cTn>
+                              </p:par>
+                            </p:childTnLst>
+                          </p:cTn>
+                        </p:par>
+                      </p:childTnLst>
+                    </p:cTn>
+                  </p:par>
+                  <p:par>
+                    <p:cTn id="23" fill="hold">
+                      <p:stCondLst>
+                        <p:cond delay="indefinite"/>
+                      </p:stCondLst>
+                      <p:childTnLst>
+                        <p:par>
+                          <p:cTn id="24" fill="hold">
+                            <p:stCondLst>
+                              <p:cond delay="0"/>
+                            </p:stCondLst>
+                            <p:childTnLst>
+                              <p:par>
+                                <p:cTn id="25" presetID="1" presetClass="entr" presetSubtype="0" fill="hold" grpId="0" nodeType="clickEffect">
+                                  <p:stCondLst>
+                                    <p:cond delay="0"/>
+                                  </p:stCondLst>
+                                  <p:childTnLst>
+                                    <p:set>
+                                      <p:cBhvr>
+                                        <p:cTn id="26" dur="1" fill="hold">
+                                          <p:stCondLst>
+                                            <p:cond delay="0"/>
+                                          </p:stCondLst>
+                                        </p:cTn>
+                                        <p:tgtEl>
+                                          <p:spTgt spid="4"/>
+                                        </p:tgtEl>
+                                        <p:attrNameLst>
+                                          <p:attrName>style.visibility</p:attrName>
+                                        </p:attrNameLst>
+                                      </p:cBhvr>
+                                      <p:to>
+                                        <p:strVal val="visible"/>
+                                      </p:to>
+                                    </p:set>
+                                  </p:childTnLst>
+                                </p:cTn>
+                              </p:par>
+                            </p:childTnLst>
+                          </p:cTn>
+                        </p:par>
+                      </p:childTnLst>
+                    </p:cTn>
+                  </p:par>
                 </p:childTnLst>
               </p:cTn>
               <p:prevCondLst>
@@ -3990,6 +4441,11 @@
         </p:cTn>
       </p:par>
     </p:tnLst>
+    <p:bldLst>
+      <p:bldP spid="2" grpId="0"/>
+      <p:bldP spid="3" grpId="0"/>
+      <p:bldP spid="4" grpId="0"/>
+    </p:bldLst>
   </p:timing>
 </p:sld>
 </file>

--- a/slides/04_Functions.pptx
+++ b/slides/04_Functions.pptx
@@ -4,6 +4,9 @@
   <p:sldMasterIdLst>
     <p:sldMasterId id="2147483648" r:id="rId1"/>
   </p:sldMasterIdLst>
+  <p:notesMasterIdLst>
+    <p:notesMasterId r:id="rId5"/>
+  </p:notesMasterIdLst>
   <p:sldIdLst>
     <p:sldId id="256" r:id="rId2"/>
     <p:sldId id="259" r:id="rId3"/>
@@ -112,6 +115,442 @@
     </p:ext>
   </p:extLst>
 </p:presentation>
+</file>
+
+<file path=ppt/notesMasters/notesMaster1.xml><?xml version="1.0" encoding="utf-8"?>
+<p:notesMaster xmlns:a="http://schemas.openxmlformats.org/drawingml/2006/main" xmlns:r="http://schemas.openxmlformats.org/officeDocument/2006/relationships" xmlns:p="http://schemas.openxmlformats.org/presentationml/2006/main">
+  <p:cSld>
+    <p:bg>
+      <p:bgRef idx="1001">
+        <a:schemeClr val="bg1"/>
+      </p:bgRef>
+    </p:bg>
+    <p:spTree>
+      <p:nvGrpSpPr>
+        <p:cNvPr id="1" name=""/>
+        <p:cNvGrpSpPr/>
+        <p:nvPr/>
+      </p:nvGrpSpPr>
+      <p:grpSpPr>
+        <a:xfrm>
+          <a:off x="0" y="0"/>
+          <a:ext cx="0" cy="0"/>
+          <a:chOff x="0" y="0"/>
+          <a:chExt cx="0" cy="0"/>
+        </a:xfrm>
+      </p:grpSpPr>
+      <p:sp>
+        <p:nvSpPr>
+          <p:cNvPr id="2" name="Header Placeholder 1"/>
+          <p:cNvSpPr>
+            <a:spLocks noGrp="1"/>
+          </p:cNvSpPr>
+          <p:nvPr>
+            <p:ph type="hdr" sz="quarter"/>
+          </p:nvPr>
+        </p:nvSpPr>
+        <p:spPr>
+          <a:xfrm>
+            <a:off x="0" y="0"/>
+            <a:ext cx="2971800" cy="458788"/>
+          </a:xfrm>
+          <a:prstGeom prst="rect">
+            <a:avLst/>
+          </a:prstGeom>
+        </p:spPr>
+        <p:txBody>
+          <a:bodyPr vert="horz" lIns="91440" tIns="45720" rIns="91440" bIns="45720" rtlCol="0"/>
+          <a:lstStyle>
+            <a:lvl1pPr algn="l">
+              <a:defRPr sz="1200"/>
+            </a:lvl1pPr>
+          </a:lstStyle>
+          <a:p>
+            <a:endParaRPr lang="en-US"/>
+          </a:p>
+        </p:txBody>
+      </p:sp>
+      <p:sp>
+        <p:nvSpPr>
+          <p:cNvPr id="3" name="Date Placeholder 2"/>
+          <p:cNvSpPr>
+            <a:spLocks noGrp="1"/>
+          </p:cNvSpPr>
+          <p:nvPr>
+            <p:ph type="dt" idx="1"/>
+          </p:nvPr>
+        </p:nvSpPr>
+        <p:spPr>
+          <a:xfrm>
+            <a:off x="3884613" y="0"/>
+            <a:ext cx="2971800" cy="458788"/>
+          </a:xfrm>
+          <a:prstGeom prst="rect">
+            <a:avLst/>
+          </a:prstGeom>
+        </p:spPr>
+        <p:txBody>
+          <a:bodyPr vert="horz" lIns="91440" tIns="45720" rIns="91440" bIns="45720" rtlCol="0"/>
+          <a:lstStyle>
+            <a:lvl1pPr algn="r">
+              <a:defRPr sz="1200"/>
+            </a:lvl1pPr>
+          </a:lstStyle>
+          <a:p>
+            <a:fld id="{BF83EA63-3FC7-0642-9C7A-EFED3C4BDB91}" type="datetimeFigureOut">
+              <a:rPr lang="en-US" smtClean="0"/>
+              <a:t>9/21/23</a:t>
+            </a:fld>
+            <a:endParaRPr lang="en-US"/>
+          </a:p>
+        </p:txBody>
+      </p:sp>
+      <p:sp>
+        <p:nvSpPr>
+          <p:cNvPr id="4" name="Slide Image Placeholder 3"/>
+          <p:cNvSpPr>
+            <a:spLocks noGrp="1" noRot="1" noChangeAspect="1"/>
+          </p:cNvSpPr>
+          <p:nvPr>
+            <p:ph type="sldImg" idx="2"/>
+          </p:nvPr>
+        </p:nvSpPr>
+        <p:spPr>
+          <a:xfrm>
+            <a:off x="685800" y="1143000"/>
+            <a:ext cx="5486400" cy="3086100"/>
+          </a:xfrm>
+          <a:prstGeom prst="rect">
+            <a:avLst/>
+          </a:prstGeom>
+          <a:noFill/>
+          <a:ln w="12700">
+            <a:solidFill>
+              <a:prstClr val="black"/>
+            </a:solidFill>
+          </a:ln>
+        </p:spPr>
+        <p:txBody>
+          <a:bodyPr vert="horz" lIns="91440" tIns="45720" rIns="91440" bIns="45720" rtlCol="0" anchor="ctr"/>
+          <a:lstStyle/>
+          <a:p>
+            <a:endParaRPr lang="en-US"/>
+          </a:p>
+        </p:txBody>
+      </p:sp>
+      <p:sp>
+        <p:nvSpPr>
+          <p:cNvPr id="5" name="Notes Placeholder 4"/>
+          <p:cNvSpPr>
+            <a:spLocks noGrp="1"/>
+          </p:cNvSpPr>
+          <p:nvPr>
+            <p:ph type="body" sz="quarter" idx="3"/>
+          </p:nvPr>
+        </p:nvSpPr>
+        <p:spPr>
+          <a:xfrm>
+            <a:off x="685800" y="4400550"/>
+            <a:ext cx="5486400" cy="3600450"/>
+          </a:xfrm>
+          <a:prstGeom prst="rect">
+            <a:avLst/>
+          </a:prstGeom>
+        </p:spPr>
+        <p:txBody>
+          <a:bodyPr vert="horz" lIns="91440" tIns="45720" rIns="91440" bIns="45720" rtlCol="0"/>
+          <a:lstStyle/>
+          <a:p>
+            <a:pPr lvl="0"/>
+            <a:r>
+              <a:rPr lang="en-US"/>
+              <a:t>Click to edit Master text styles</a:t>
+            </a:r>
+          </a:p>
+          <a:p>
+            <a:pPr lvl="1"/>
+            <a:r>
+              <a:rPr lang="en-US"/>
+              <a:t>Second level</a:t>
+            </a:r>
+          </a:p>
+          <a:p>
+            <a:pPr lvl="2"/>
+            <a:r>
+              <a:rPr lang="en-US"/>
+              <a:t>Third level</a:t>
+            </a:r>
+          </a:p>
+          <a:p>
+            <a:pPr lvl="3"/>
+            <a:r>
+              <a:rPr lang="en-US"/>
+              <a:t>Fourth level</a:t>
+            </a:r>
+          </a:p>
+          <a:p>
+            <a:pPr lvl="4"/>
+            <a:r>
+              <a:rPr lang="en-US"/>
+              <a:t>Fifth level</a:t>
+            </a:r>
+          </a:p>
+        </p:txBody>
+      </p:sp>
+      <p:sp>
+        <p:nvSpPr>
+          <p:cNvPr id="6" name="Footer Placeholder 5"/>
+          <p:cNvSpPr>
+            <a:spLocks noGrp="1"/>
+          </p:cNvSpPr>
+          <p:nvPr>
+            <p:ph type="ftr" sz="quarter" idx="4"/>
+          </p:nvPr>
+        </p:nvSpPr>
+        <p:spPr>
+          <a:xfrm>
+            <a:off x="0" y="8685213"/>
+            <a:ext cx="2971800" cy="458787"/>
+          </a:xfrm>
+          <a:prstGeom prst="rect">
+            <a:avLst/>
+          </a:prstGeom>
+        </p:spPr>
+        <p:txBody>
+          <a:bodyPr vert="horz" lIns="91440" tIns="45720" rIns="91440" bIns="45720" rtlCol="0" anchor="b"/>
+          <a:lstStyle>
+            <a:lvl1pPr algn="l">
+              <a:defRPr sz="1200"/>
+            </a:lvl1pPr>
+          </a:lstStyle>
+          <a:p>
+            <a:endParaRPr lang="en-US"/>
+          </a:p>
+        </p:txBody>
+      </p:sp>
+      <p:sp>
+        <p:nvSpPr>
+          <p:cNvPr id="7" name="Slide Number Placeholder 6"/>
+          <p:cNvSpPr>
+            <a:spLocks noGrp="1"/>
+          </p:cNvSpPr>
+          <p:nvPr>
+            <p:ph type="sldNum" sz="quarter" idx="5"/>
+          </p:nvPr>
+        </p:nvSpPr>
+        <p:spPr>
+          <a:xfrm>
+            <a:off x="3884613" y="8685213"/>
+            <a:ext cx="2971800" cy="458787"/>
+          </a:xfrm>
+          <a:prstGeom prst="rect">
+            <a:avLst/>
+          </a:prstGeom>
+        </p:spPr>
+        <p:txBody>
+          <a:bodyPr vert="horz" lIns="91440" tIns="45720" rIns="91440" bIns="45720" rtlCol="0" anchor="b"/>
+          <a:lstStyle>
+            <a:lvl1pPr algn="r">
+              <a:defRPr sz="1200"/>
+            </a:lvl1pPr>
+          </a:lstStyle>
+          <a:p>
+            <a:fld id="{D87B8E3C-F9BF-8249-8CF2-43442FFD5E0D}" type="slidenum">
+              <a:rPr lang="en-US" smtClean="0"/>
+              <a:t>‹#›</a:t>
+            </a:fld>
+            <a:endParaRPr lang="en-US"/>
+          </a:p>
+        </p:txBody>
+      </p:sp>
+    </p:spTree>
+    <p:extLst>
+      <p:ext uri="{BB962C8B-B14F-4D97-AF65-F5344CB8AC3E}">
+        <p14:creationId xmlns:p14="http://schemas.microsoft.com/office/powerpoint/2010/main" val="3322545652"/>
+      </p:ext>
+    </p:extLst>
+  </p:cSld>
+  <p:clrMap bg1="lt1" tx1="dk1" bg2="lt2" tx2="dk2" accent1="accent1" accent2="accent2" accent3="accent3" accent4="accent4" accent5="accent5" accent6="accent6" hlink="hlink" folHlink="folHlink"/>
+  <p:notesStyle>
+    <a:lvl1pPr marL="0" algn="l" defTabSz="914400" rtl="0" eaLnBrk="1" latinLnBrk="0" hangingPunct="1">
+      <a:defRPr sz="1200" kern="1200">
+        <a:solidFill>
+          <a:schemeClr val="tx1"/>
+        </a:solidFill>
+        <a:latin typeface="+mn-lt"/>
+        <a:ea typeface="+mn-ea"/>
+        <a:cs typeface="+mn-cs"/>
+      </a:defRPr>
+    </a:lvl1pPr>
+    <a:lvl2pPr marL="457200" algn="l" defTabSz="914400" rtl="0" eaLnBrk="1" latinLnBrk="0" hangingPunct="1">
+      <a:defRPr sz="1200" kern="1200">
+        <a:solidFill>
+          <a:schemeClr val="tx1"/>
+        </a:solidFill>
+        <a:latin typeface="+mn-lt"/>
+        <a:ea typeface="+mn-ea"/>
+        <a:cs typeface="+mn-cs"/>
+      </a:defRPr>
+    </a:lvl2pPr>
+    <a:lvl3pPr marL="914400" algn="l" defTabSz="914400" rtl="0" eaLnBrk="1" latinLnBrk="0" hangingPunct="1">
+      <a:defRPr sz="1200" kern="1200">
+        <a:solidFill>
+          <a:schemeClr val="tx1"/>
+        </a:solidFill>
+        <a:latin typeface="+mn-lt"/>
+        <a:ea typeface="+mn-ea"/>
+        <a:cs typeface="+mn-cs"/>
+      </a:defRPr>
+    </a:lvl3pPr>
+    <a:lvl4pPr marL="1371600" algn="l" defTabSz="914400" rtl="0" eaLnBrk="1" latinLnBrk="0" hangingPunct="1">
+      <a:defRPr sz="1200" kern="1200">
+        <a:solidFill>
+          <a:schemeClr val="tx1"/>
+        </a:solidFill>
+        <a:latin typeface="+mn-lt"/>
+        <a:ea typeface="+mn-ea"/>
+        <a:cs typeface="+mn-cs"/>
+      </a:defRPr>
+    </a:lvl4pPr>
+    <a:lvl5pPr marL="1828800" algn="l" defTabSz="914400" rtl="0" eaLnBrk="1" latinLnBrk="0" hangingPunct="1">
+      <a:defRPr sz="1200" kern="1200">
+        <a:solidFill>
+          <a:schemeClr val="tx1"/>
+        </a:solidFill>
+        <a:latin typeface="+mn-lt"/>
+        <a:ea typeface="+mn-ea"/>
+        <a:cs typeface="+mn-cs"/>
+      </a:defRPr>
+    </a:lvl5pPr>
+    <a:lvl6pPr marL="2286000" algn="l" defTabSz="914400" rtl="0" eaLnBrk="1" latinLnBrk="0" hangingPunct="1">
+      <a:defRPr sz="1200" kern="1200">
+        <a:solidFill>
+          <a:schemeClr val="tx1"/>
+        </a:solidFill>
+        <a:latin typeface="+mn-lt"/>
+        <a:ea typeface="+mn-ea"/>
+        <a:cs typeface="+mn-cs"/>
+      </a:defRPr>
+    </a:lvl6pPr>
+    <a:lvl7pPr marL="2743200" algn="l" defTabSz="914400" rtl="0" eaLnBrk="1" latinLnBrk="0" hangingPunct="1">
+      <a:defRPr sz="1200" kern="1200">
+        <a:solidFill>
+          <a:schemeClr val="tx1"/>
+        </a:solidFill>
+        <a:latin typeface="+mn-lt"/>
+        <a:ea typeface="+mn-ea"/>
+        <a:cs typeface="+mn-cs"/>
+      </a:defRPr>
+    </a:lvl7pPr>
+    <a:lvl8pPr marL="3200400" algn="l" defTabSz="914400" rtl="0" eaLnBrk="1" latinLnBrk="0" hangingPunct="1">
+      <a:defRPr sz="1200" kern="1200">
+        <a:solidFill>
+          <a:schemeClr val="tx1"/>
+        </a:solidFill>
+        <a:latin typeface="+mn-lt"/>
+        <a:ea typeface="+mn-ea"/>
+        <a:cs typeface="+mn-cs"/>
+      </a:defRPr>
+    </a:lvl8pPr>
+    <a:lvl9pPr marL="3657600" algn="l" defTabSz="914400" rtl="0" eaLnBrk="1" latinLnBrk="0" hangingPunct="1">
+      <a:defRPr sz="1200" kern="1200">
+        <a:solidFill>
+          <a:schemeClr val="tx1"/>
+        </a:solidFill>
+        <a:latin typeface="+mn-lt"/>
+        <a:ea typeface="+mn-ea"/>
+        <a:cs typeface="+mn-cs"/>
+      </a:defRPr>
+    </a:lvl9pPr>
+  </p:notesStyle>
+</p:notesMaster>
+</file>
+
+<file path=ppt/notesSlides/notesSlide1.xml><?xml version="1.0" encoding="utf-8"?>
+<p:notes xmlns:a="http://schemas.openxmlformats.org/drawingml/2006/main" xmlns:r="http://schemas.openxmlformats.org/officeDocument/2006/relationships" xmlns:p="http://schemas.openxmlformats.org/presentationml/2006/main">
+  <p:cSld>
+    <p:spTree>
+      <p:nvGrpSpPr>
+        <p:cNvPr id="1" name=""/>
+        <p:cNvGrpSpPr/>
+        <p:nvPr/>
+      </p:nvGrpSpPr>
+      <p:grpSpPr>
+        <a:xfrm>
+          <a:off x="0" y="0"/>
+          <a:ext cx="0" cy="0"/>
+          <a:chOff x="0" y="0"/>
+          <a:chExt cx="0" cy="0"/>
+        </a:xfrm>
+      </p:grpSpPr>
+      <p:sp>
+        <p:nvSpPr>
+          <p:cNvPr id="2" name="Slide Image Placeholder 1"/>
+          <p:cNvSpPr>
+            <a:spLocks noGrp="1" noRot="1" noChangeAspect="1"/>
+          </p:cNvSpPr>
+          <p:nvPr>
+            <p:ph type="sldImg"/>
+          </p:nvPr>
+        </p:nvSpPr>
+        <p:spPr/>
+      </p:sp>
+      <p:sp>
+        <p:nvSpPr>
+          <p:cNvPr id="3" name="Notes Placeholder 2"/>
+          <p:cNvSpPr>
+            <a:spLocks noGrp="1"/>
+          </p:cNvSpPr>
+          <p:nvPr>
+            <p:ph type="body" idx="1"/>
+          </p:nvPr>
+        </p:nvSpPr>
+        <p:spPr/>
+        <p:txBody>
+          <a:bodyPr/>
+          <a:lstStyle/>
+          <a:p>
+            <a:r>
+              <a:rPr lang="en-US" dirty="0"/>
+              <a:t>Playlist link</a:t>
+            </a:r>
+          </a:p>
+        </p:txBody>
+      </p:sp>
+      <p:sp>
+        <p:nvSpPr>
+          <p:cNvPr id="4" name="Slide Number Placeholder 3"/>
+          <p:cNvSpPr>
+            <a:spLocks noGrp="1"/>
+          </p:cNvSpPr>
+          <p:nvPr>
+            <p:ph type="sldNum" sz="quarter" idx="5"/>
+          </p:nvPr>
+        </p:nvSpPr>
+        <p:spPr/>
+        <p:txBody>
+          <a:bodyPr/>
+          <a:lstStyle/>
+          <a:p>
+            <a:fld id="{D87B8E3C-F9BF-8249-8CF2-43442FFD5E0D}" type="slidenum">
+              <a:rPr lang="en-US" smtClean="0"/>
+              <a:t>2</a:t>
+            </a:fld>
+            <a:endParaRPr lang="en-US"/>
+          </a:p>
+        </p:txBody>
+      </p:sp>
+    </p:spTree>
+    <p:extLst>
+      <p:ext uri="{BB962C8B-B14F-4D97-AF65-F5344CB8AC3E}">
+        <p14:creationId xmlns:p14="http://schemas.microsoft.com/office/powerpoint/2010/main" val="3306000138"/>
+      </p:ext>
+    </p:extLst>
+  </p:cSld>
+  <p:clrMapOvr>
+    <a:masterClrMapping/>
+  </p:clrMapOvr>
+</p:notes>
 </file>
 
 <file path=ppt/slideLayouts/slideLayout1.xml><?xml version="1.0" encoding="utf-8"?>
@@ -3515,7 +3954,7 @@
           <p:nvPr/>
         </p:nvPicPr>
         <p:blipFill>
-          <a:blip r:embed="rId2">
+          <a:blip r:embed="rId3">
             <a:extLst>
               <a:ext uri="{28A0092B-C50C-407E-A947-70E740481C1C}">
                 <a14:useLocalDpi xmlns:a14="http://schemas.microsoft.com/office/drawing/2010/main" val="0"/>
@@ -3562,7 +4001,7 @@
           <p:nvPr/>
         </p:nvPicPr>
         <p:blipFill>
-          <a:blip r:embed="rId3">
+          <a:blip r:embed="rId4">
             <a:extLst>
               <a:ext uri="{28A0092B-C50C-407E-A947-70E740481C1C}">
                 <a14:useLocalDpi xmlns:a14="http://schemas.microsoft.com/office/drawing/2010/main" val="0"/>
@@ -4743,4 +5182,299 @@
     </a:ext>
   </a:extLst>
 </a:theme>
+</file>
+
+<file path=ppt/theme/theme2.xml><?xml version="1.0" encoding="utf-8"?>
+<a:theme xmlns:a="http://schemas.openxmlformats.org/drawingml/2006/main" name="Office Theme">
+  <a:themeElements>
+    <a:clrScheme name="Office">
+      <a:dk1>
+        <a:sysClr val="windowText" lastClr="000000"/>
+      </a:dk1>
+      <a:lt1>
+        <a:sysClr val="window" lastClr="FFFFFF"/>
+      </a:lt1>
+      <a:dk2>
+        <a:srgbClr val="44546A"/>
+      </a:dk2>
+      <a:lt2>
+        <a:srgbClr val="E7E6E6"/>
+      </a:lt2>
+      <a:accent1>
+        <a:srgbClr val="4472C4"/>
+      </a:accent1>
+      <a:accent2>
+        <a:srgbClr val="ED7D31"/>
+      </a:accent2>
+      <a:accent3>
+        <a:srgbClr val="A5A5A5"/>
+      </a:accent3>
+      <a:accent4>
+        <a:srgbClr val="FFC000"/>
+      </a:accent4>
+      <a:accent5>
+        <a:srgbClr val="5B9BD5"/>
+      </a:accent5>
+      <a:accent6>
+        <a:srgbClr val="70AD47"/>
+      </a:accent6>
+      <a:hlink>
+        <a:srgbClr val="0563C1"/>
+      </a:hlink>
+      <a:folHlink>
+        <a:srgbClr val="954F72"/>
+      </a:folHlink>
+    </a:clrScheme>
+    <a:fontScheme name="Office">
+      <a:majorFont>
+        <a:latin typeface="Calibri Light" panose="020F0302020204030204"/>
+        <a:ea typeface=""/>
+        <a:cs typeface=""/>
+        <a:font script="Jpan" typeface="游ゴシック Light"/>
+        <a:font script="Hang" typeface="맑은 고딕"/>
+        <a:font script="Hans" typeface="等线 Light"/>
+        <a:font script="Hant" typeface="新細明體"/>
+        <a:font script="Arab" typeface="Times New Roman"/>
+        <a:font script="Hebr" typeface="Times New Roman"/>
+        <a:font script="Thai" typeface="Angsana New"/>
+        <a:font script="Ethi" typeface="Nyala"/>
+        <a:font script="Beng" typeface="Vrinda"/>
+        <a:font script="Gujr" typeface="Shruti"/>
+        <a:font script="Khmr" typeface="MoolBoran"/>
+        <a:font script="Knda" typeface="Tunga"/>
+        <a:font script="Guru" typeface="Raavi"/>
+        <a:font script="Cans" typeface="Euphemia"/>
+        <a:font script="Cher" typeface="Plantagenet Cherokee"/>
+        <a:font script="Yiii" typeface="Microsoft Yi Baiti"/>
+        <a:font script="Tibt" typeface="Microsoft Himalaya"/>
+        <a:font script="Thaa" typeface="MV Boli"/>
+        <a:font script="Deva" typeface="Mangal"/>
+        <a:font script="Telu" typeface="Gautami"/>
+        <a:font script="Taml" typeface="Latha"/>
+        <a:font script="Syrc" typeface="Estrangelo Edessa"/>
+        <a:font script="Orya" typeface="Kalinga"/>
+        <a:font script="Mlym" typeface="Kartika"/>
+        <a:font script="Laoo" typeface="DokChampa"/>
+        <a:font script="Sinh" typeface="Iskoola Pota"/>
+        <a:font script="Mong" typeface="Mongolian Baiti"/>
+        <a:font script="Viet" typeface="Times New Roman"/>
+        <a:font script="Uigh" typeface="Microsoft Uighur"/>
+        <a:font script="Geor" typeface="Sylfaen"/>
+        <a:font script="Armn" typeface="Arial"/>
+        <a:font script="Bugi" typeface="Leelawadee UI"/>
+        <a:font script="Bopo" typeface="Microsoft JhengHei"/>
+        <a:font script="Java" typeface="Javanese Text"/>
+        <a:font script="Lisu" typeface="Segoe UI"/>
+        <a:font script="Mymr" typeface="Myanmar Text"/>
+        <a:font script="Nkoo" typeface="Ebrima"/>
+        <a:font script="Olck" typeface="Nirmala UI"/>
+        <a:font script="Osma" typeface="Ebrima"/>
+        <a:font script="Phag" typeface="Phagspa"/>
+        <a:font script="Syrn" typeface="Estrangelo Edessa"/>
+        <a:font script="Syrj" typeface="Estrangelo Edessa"/>
+        <a:font script="Syre" typeface="Estrangelo Edessa"/>
+        <a:font script="Sora" typeface="Nirmala UI"/>
+        <a:font script="Tale" typeface="Microsoft Tai Le"/>
+        <a:font script="Talu" typeface="Microsoft New Tai Lue"/>
+        <a:font script="Tfng" typeface="Ebrima"/>
+      </a:majorFont>
+      <a:minorFont>
+        <a:latin typeface="Calibri" panose="020F0502020204030204"/>
+        <a:ea typeface=""/>
+        <a:cs typeface=""/>
+        <a:font script="Jpan" typeface="游ゴシック"/>
+        <a:font script="Hang" typeface="맑은 고딕"/>
+        <a:font script="Hans" typeface="等线"/>
+        <a:font script="Hant" typeface="新細明體"/>
+        <a:font script="Arab" typeface="Arial"/>
+        <a:font script="Hebr" typeface="Arial"/>
+        <a:font script="Thai" typeface="Cordia New"/>
+        <a:font script="Ethi" typeface="Nyala"/>
+        <a:font script="Beng" typeface="Vrinda"/>
+        <a:font script="Gujr" typeface="Shruti"/>
+        <a:font script="Khmr" typeface="DaunPenh"/>
+        <a:font script="Knda" typeface="Tunga"/>
+        <a:font script="Guru" typeface="Raavi"/>
+        <a:font script="Cans" typeface="Euphemia"/>
+        <a:font script="Cher" typeface="Plantagenet Cherokee"/>
+        <a:font script="Yiii" typeface="Microsoft Yi Baiti"/>
+        <a:font script="Tibt" typeface="Microsoft Himalaya"/>
+        <a:font script="Thaa" typeface="MV Boli"/>
+        <a:font script="Deva" typeface="Mangal"/>
+        <a:font script="Telu" typeface="Gautami"/>
+        <a:font script="Taml" typeface="Latha"/>
+        <a:font script="Syrc" typeface="Estrangelo Edessa"/>
+        <a:font script="Orya" typeface="Kalinga"/>
+        <a:font script="Mlym" typeface="Kartika"/>
+        <a:font script="Laoo" typeface="DokChampa"/>
+        <a:font script="Sinh" typeface="Iskoola Pota"/>
+        <a:font script="Mong" typeface="Mongolian Baiti"/>
+        <a:font script="Viet" typeface="Arial"/>
+        <a:font script="Uigh" typeface="Microsoft Uighur"/>
+        <a:font script="Geor" typeface="Sylfaen"/>
+        <a:font script="Armn" typeface="Arial"/>
+        <a:font script="Bugi" typeface="Leelawadee UI"/>
+        <a:font script="Bopo" typeface="Microsoft JhengHei"/>
+        <a:font script="Java" typeface="Javanese Text"/>
+        <a:font script="Lisu" typeface="Segoe UI"/>
+        <a:font script="Mymr" typeface="Myanmar Text"/>
+        <a:font script="Nkoo" typeface="Ebrima"/>
+        <a:font script="Olck" typeface="Nirmala UI"/>
+        <a:font script="Osma" typeface="Ebrima"/>
+        <a:font script="Phag" typeface="Phagspa"/>
+        <a:font script="Syrn" typeface="Estrangelo Edessa"/>
+        <a:font script="Syrj" typeface="Estrangelo Edessa"/>
+        <a:font script="Syre" typeface="Estrangelo Edessa"/>
+        <a:font script="Sora" typeface="Nirmala UI"/>
+        <a:font script="Tale" typeface="Microsoft Tai Le"/>
+        <a:font script="Talu" typeface="Microsoft New Tai Lue"/>
+        <a:font script="Tfng" typeface="Ebrima"/>
+      </a:minorFont>
+    </a:fontScheme>
+    <a:fmtScheme name="Office">
+      <a:fillStyleLst>
+        <a:solidFill>
+          <a:schemeClr val="phClr"/>
+        </a:solidFill>
+        <a:gradFill rotWithShape="1">
+          <a:gsLst>
+            <a:gs pos="0">
+              <a:schemeClr val="phClr">
+                <a:lumMod val="110000"/>
+                <a:satMod val="105000"/>
+                <a:tint val="67000"/>
+              </a:schemeClr>
+            </a:gs>
+            <a:gs pos="50000">
+              <a:schemeClr val="phClr">
+                <a:lumMod val="105000"/>
+                <a:satMod val="103000"/>
+                <a:tint val="73000"/>
+              </a:schemeClr>
+            </a:gs>
+            <a:gs pos="100000">
+              <a:schemeClr val="phClr">
+                <a:lumMod val="105000"/>
+                <a:satMod val="109000"/>
+                <a:tint val="81000"/>
+              </a:schemeClr>
+            </a:gs>
+          </a:gsLst>
+          <a:lin ang="5400000" scaled="0"/>
+        </a:gradFill>
+        <a:gradFill rotWithShape="1">
+          <a:gsLst>
+            <a:gs pos="0">
+              <a:schemeClr val="phClr">
+                <a:satMod val="103000"/>
+                <a:lumMod val="102000"/>
+                <a:tint val="94000"/>
+              </a:schemeClr>
+            </a:gs>
+            <a:gs pos="50000">
+              <a:schemeClr val="phClr">
+                <a:satMod val="110000"/>
+                <a:lumMod val="100000"/>
+                <a:shade val="100000"/>
+              </a:schemeClr>
+            </a:gs>
+            <a:gs pos="100000">
+              <a:schemeClr val="phClr">
+                <a:lumMod val="99000"/>
+                <a:satMod val="120000"/>
+                <a:shade val="78000"/>
+              </a:schemeClr>
+            </a:gs>
+          </a:gsLst>
+          <a:lin ang="5400000" scaled="0"/>
+        </a:gradFill>
+      </a:fillStyleLst>
+      <a:lnStyleLst>
+        <a:ln w="6350" cap="flat" cmpd="sng" algn="ctr">
+          <a:solidFill>
+            <a:schemeClr val="phClr"/>
+          </a:solidFill>
+          <a:prstDash val="solid"/>
+          <a:miter lim="800000"/>
+        </a:ln>
+        <a:ln w="12700" cap="flat" cmpd="sng" algn="ctr">
+          <a:solidFill>
+            <a:schemeClr val="phClr"/>
+          </a:solidFill>
+          <a:prstDash val="solid"/>
+          <a:miter lim="800000"/>
+        </a:ln>
+        <a:ln w="19050" cap="flat" cmpd="sng" algn="ctr">
+          <a:solidFill>
+            <a:schemeClr val="phClr"/>
+          </a:solidFill>
+          <a:prstDash val="solid"/>
+          <a:miter lim="800000"/>
+        </a:ln>
+      </a:lnStyleLst>
+      <a:effectStyleLst>
+        <a:effectStyle>
+          <a:effectLst/>
+        </a:effectStyle>
+        <a:effectStyle>
+          <a:effectLst/>
+        </a:effectStyle>
+        <a:effectStyle>
+          <a:effectLst>
+            <a:outerShdw blurRad="57150" dist="19050" dir="5400000" algn="ctr" rotWithShape="0">
+              <a:srgbClr val="000000">
+                <a:alpha val="63000"/>
+              </a:srgbClr>
+            </a:outerShdw>
+          </a:effectLst>
+        </a:effectStyle>
+      </a:effectStyleLst>
+      <a:bgFillStyleLst>
+        <a:solidFill>
+          <a:schemeClr val="phClr"/>
+        </a:solidFill>
+        <a:solidFill>
+          <a:schemeClr val="phClr">
+            <a:tint val="95000"/>
+            <a:satMod val="170000"/>
+          </a:schemeClr>
+        </a:solidFill>
+        <a:gradFill rotWithShape="1">
+          <a:gsLst>
+            <a:gs pos="0">
+              <a:schemeClr val="phClr">
+                <a:tint val="93000"/>
+                <a:satMod val="150000"/>
+                <a:shade val="98000"/>
+                <a:lumMod val="102000"/>
+              </a:schemeClr>
+            </a:gs>
+            <a:gs pos="50000">
+              <a:schemeClr val="phClr">
+                <a:tint val="98000"/>
+                <a:satMod val="130000"/>
+                <a:shade val="90000"/>
+                <a:lumMod val="103000"/>
+              </a:schemeClr>
+            </a:gs>
+            <a:gs pos="100000">
+              <a:schemeClr val="phClr">
+                <a:shade val="63000"/>
+                <a:satMod val="120000"/>
+              </a:schemeClr>
+            </a:gs>
+          </a:gsLst>
+          <a:lin ang="5400000" scaled="0"/>
+        </a:gradFill>
+      </a:bgFillStyleLst>
+    </a:fmtScheme>
+  </a:themeElements>
+  <a:objectDefaults/>
+  <a:extraClrSchemeLst/>
+  <a:extLst>
+    <a:ext uri="{05A4C25C-085E-4340-85A3-A5531E510DB2}">
+      <thm15:themeFamily xmlns:thm15="http://schemas.microsoft.com/office/thememl/2012/main" name="Office Theme" id="{62F939B6-93AF-4DB8-9C6B-D6C7DFDC589F}" vid="{4A3C46E8-61CC-4603-A589-7422A47A8E4A}"/>
+    </a:ext>
+  </a:extLst>
+</a:theme>
 </file>